--- a/Comps II/Comps II Presentation.pptx
+++ b/Comps II/Comps II Presentation.pptx
@@ -123,6 +123,11 @@
       </a:defRPr>
     </a:lvl9pPr>
   </p:defaultTextStyle>
+  <p:extLst>
+    <p:ext uri="{EFAFB233-063F-42B5-8137-9DF3F51BA10A}">
+      <p15:sldGuideLst xmlns:p15="http://schemas.microsoft.com/office/powerpoint/2012/main"/>
+    </p:ext>
+  </p:extLst>
 </p:presentation>
 </file>
 
@@ -6740,7 +6745,11 @@
           <a:p>
             <a:r>
               <a:rPr lang="en-US" dirty="0" smtClean="0"/>
-              <a:t>Comps II Presentation</a:t>
+              <a:t>Comprehensive Exam </a:t>
+            </a:r>
+            <a:r>
+              <a:rPr lang="en-US" dirty="0" smtClean="0"/>
+              <a:t>II Presentation</a:t>
             </a:r>
           </a:p>
           <a:p>
@@ -7217,9 +7226,39 @@
         </p:blipFill>
         <p:spPr>
           <a:xfrm>
-            <a:off x="6865552" y="1943004"/>
+            <a:off x="6632286" y="1943004"/>
             <a:ext cx="3448531" cy="2819794"/>
           </a:xfrm>
+        </p:spPr>
+      </p:pic>
+      <p:pic>
+        <p:nvPicPr>
+          <p:cNvPr id="3" name="Picture 2"/>
+          <p:cNvPicPr>
+            <a:picLocks noChangeAspect="1"/>
+          </p:cNvPicPr>
+          <p:nvPr/>
+        </p:nvPicPr>
+        <p:blipFill>
+          <a:blip r:embed="rId3">
+            <a:extLst>
+              <a:ext uri="{28A0092B-C50C-407E-A947-70E740481C1C}">
+                <a14:useLocalDpi xmlns:a14="http://schemas.microsoft.com/office/drawing/2010/main" val="0"/>
+              </a:ext>
+            </a:extLst>
+          </a:blip>
+          <a:stretch>
+            <a:fillRect/>
+          </a:stretch>
+        </p:blipFill>
+        <p:spPr>
+          <a:xfrm>
+            <a:off x="1679168" y="2283092"/>
+            <a:ext cx="3327314" cy="2479706"/>
+          </a:xfrm>
+          <a:prstGeom prst="rect">
+            <a:avLst/>
+          </a:prstGeom>
         </p:spPr>
       </p:pic>
     </p:spTree>
